--- a/Ficheiros/PASPOWERPOINT.pptx
+++ b/Ficheiros/PASPOWERPOINT.pptx
@@ -3238,7 +3238,7 @@
             <a:fld id="{8DA1FAA5-2D2D-4352-A7F5-5423D6686005}" type="slidenum">
               <a:rPr lang="pt-PT" smtClean="0"/>
               <a:pPr rtl="0"/>
-              <a:t>‹nº›</a:t>
+              <a:t>‹#›</a:t>
             </a:fld>
             <a:endParaRPr lang="pt-PT" dirty="0"/>
           </a:p>
@@ -3501,7 +3501,7 @@
             <a:fld id="{67D4AFE6-52F8-436F-9DAC-607E2BE5A99D}" type="slidenum">
               <a:rPr lang="pt-PT" noProof="0" smtClean="0"/>
               <a:pPr rtl="0"/>
-              <a:t>‹nº›</a:t>
+              <a:t>‹#›</a:t>
             </a:fld>
             <a:endParaRPr lang="pt-PT" noProof="0" dirty="0"/>
           </a:p>
@@ -3820,7 +3820,7 @@
             <a:fld id="{D57F1E4F-1CFF-5643-939E-217C01CDF565}" type="slidenum">
               <a:rPr lang="pt-PT" noProof="0" smtClean="0"/>
               <a:pPr rtl="0"/>
-              <a:t>‹nº›</a:t>
+              <a:t>‹#›</a:t>
             </a:fld>
             <a:endParaRPr lang="pt-PT" noProof="0" dirty="0"/>
           </a:p>
@@ -3995,7 +3995,7 @@
             <a:fld id="{D57F1E4F-1CFF-5643-939E-217C01CDF565}" type="slidenum">
               <a:rPr lang="pt-PT" noProof="0" smtClean="0"/>
               <a:pPr rtl="0"/>
-              <a:t>‹nº›</a:t>
+              <a:t>‹#›</a:t>
             </a:fld>
             <a:endParaRPr lang="pt-PT" noProof="0" dirty="0"/>
           </a:p>
@@ -4180,7 +4180,7 @@
             <a:fld id="{D57F1E4F-1CFF-5643-939E-217C01CDF565}" type="slidenum">
               <a:rPr lang="pt-PT" noProof="0" smtClean="0"/>
               <a:pPr rtl="0"/>
-              <a:t>‹nº›</a:t>
+              <a:t>‹#›</a:t>
             </a:fld>
             <a:endParaRPr lang="pt-PT" noProof="0" dirty="0"/>
           </a:p>
@@ -4356,7 +4356,7 @@
             <a:fld id="{D57F1E4F-1CFF-5643-939E-217C01CDF565}" type="slidenum">
               <a:rPr lang="pt-PT" noProof="0" smtClean="0"/>
               <a:pPr rtl="0"/>
-              <a:t>‹nº›</a:t>
+              <a:t>‹#›</a:t>
             </a:fld>
             <a:endParaRPr lang="pt-PT" noProof="0" dirty="0"/>
           </a:p>
@@ -4630,7 +4630,7 @@
             <a:fld id="{D57F1E4F-1CFF-5643-939E-217C01CDF565}" type="slidenum">
               <a:rPr lang="pt-PT" noProof="0" smtClean="0"/>
               <a:pPr rtl="0"/>
-              <a:t>‹nº›</a:t>
+              <a:t>‹#›</a:t>
             </a:fld>
             <a:endParaRPr lang="pt-PT" noProof="0" dirty="0"/>
           </a:p>
@@ -4867,7 +4867,7 @@
             <a:fld id="{D57F1E4F-1CFF-5643-939E-217C01CDF565}" type="slidenum">
               <a:rPr lang="pt-PT" noProof="0" smtClean="0"/>
               <a:pPr rtl="0"/>
-              <a:t>‹nº›</a:t>
+              <a:t>‹#›</a:t>
             </a:fld>
             <a:endParaRPr lang="pt-PT" noProof="0" dirty="0"/>
           </a:p>
@@ -5231,7 +5231,7 @@
             <a:fld id="{D57F1E4F-1CFF-5643-939E-217C01CDF565}" type="slidenum">
               <a:rPr lang="pt-PT" noProof="0" smtClean="0"/>
               <a:pPr rtl="0"/>
-              <a:t>‹nº›</a:t>
+              <a:t>‹#›</a:t>
             </a:fld>
             <a:endParaRPr lang="pt-PT" noProof="0" dirty="0"/>
           </a:p>
@@ -5378,7 +5378,7 @@
             <a:fld id="{D57F1E4F-1CFF-5643-939E-217C01CDF565}" type="slidenum">
               <a:rPr lang="pt-PT" noProof="0" smtClean="0"/>
               <a:pPr rtl="0"/>
-              <a:t>‹nº›</a:t>
+              <a:t>‹#›</a:t>
             </a:fld>
             <a:endParaRPr lang="pt-PT" noProof="0" dirty="0"/>
           </a:p>
@@ -5478,7 +5478,7 @@
             <a:fld id="{D57F1E4F-1CFF-5643-939E-217C01CDF565}" type="slidenum">
               <a:rPr lang="pt-PT" noProof="0" smtClean="0"/>
               <a:pPr rtl="0"/>
-              <a:t>‹nº›</a:t>
+              <a:t>‹#›</a:t>
             </a:fld>
             <a:endParaRPr lang="pt-PT" noProof="0" dirty="0"/>
           </a:p>
@@ -5855,7 +5855,7 @@
             <a:fld id="{D57F1E4F-1CFF-5643-939E-217C01CDF565}" type="slidenum">
               <a:rPr lang="pt-PT" noProof="0" smtClean="0"/>
               <a:pPr rtl="0"/>
-              <a:t>‹nº›</a:t>
+              <a:t>‹#›</a:t>
             </a:fld>
             <a:endParaRPr lang="pt-PT" noProof="0" dirty="0"/>
           </a:p>
@@ -6217,7 +6217,7 @@
             <a:fld id="{D57F1E4F-1CFF-5643-939E-217C01CDF565}" type="slidenum">
               <a:rPr lang="pt-PT" noProof="0" smtClean="0"/>
               <a:pPr rtl="0"/>
-              <a:t>‹nº›</a:t>
+              <a:t>‹#›</a:t>
             </a:fld>
             <a:endParaRPr lang="pt-PT" noProof="0" dirty="0"/>
           </a:p>
@@ -6490,7 +6490,7 @@
             <a:fld id="{D57F1E4F-1CFF-5643-939E-217C01CDF565}" type="slidenum">
               <a:rPr lang="pt-PT" noProof="0" smtClean="0"/>
               <a:pPr rtl="0"/>
-              <a:t>‹nº›</a:t>
+              <a:t>‹#›</a:t>
             </a:fld>
             <a:endParaRPr lang="pt-PT" noProof="0" dirty="0"/>
           </a:p>
@@ -8855,8 +8855,8 @@
         </p:blipFill>
         <p:spPr bwMode="auto">
           <a:xfrm>
-            <a:off x="318887" y="1789654"/>
-            <a:ext cx="5734818" cy="2002196"/>
+            <a:off x="260164" y="2885814"/>
+            <a:ext cx="5826962" cy="2034366"/>
           </a:xfrm>
           <a:prstGeom prst="rect">
             <a:avLst/>
@@ -8896,8 +8896,8 @@
         </p:blipFill>
         <p:spPr bwMode="auto">
           <a:xfrm>
-            <a:off x="5261371" y="3791850"/>
-            <a:ext cx="6453509" cy="2777498"/>
+            <a:off x="6198306" y="2700646"/>
+            <a:ext cx="5733530" cy="2467629"/>
           </a:xfrm>
           <a:prstGeom prst="rect">
             <a:avLst/>
@@ -9032,8 +9032,8 @@
         </p:blipFill>
         <p:spPr bwMode="auto">
           <a:xfrm>
-            <a:off x="2368633" y="1760526"/>
-            <a:ext cx="8308378" cy="2298873"/>
+            <a:off x="382516" y="1911515"/>
+            <a:ext cx="7216997" cy="1996895"/>
           </a:xfrm>
           <a:prstGeom prst="rect">
             <a:avLst/>
@@ -9073,8 +9073,8 @@
         </p:blipFill>
         <p:spPr bwMode="auto">
           <a:xfrm>
-            <a:off x="382516" y="4068096"/>
-            <a:ext cx="10937470" cy="2722792"/>
+            <a:off x="2231136" y="3985538"/>
+            <a:ext cx="9415685" cy="2343956"/>
           </a:xfrm>
           <a:prstGeom prst="rect">
             <a:avLst/>
@@ -9447,8 +9447,8 @@
         </p:blipFill>
         <p:spPr bwMode="auto">
           <a:xfrm>
-            <a:off x="751336" y="1680099"/>
-            <a:ext cx="2646490" cy="5140411"/>
+            <a:off x="781324" y="1677076"/>
+            <a:ext cx="2548576" cy="4950227"/>
           </a:xfrm>
           <a:prstGeom prst="rect">
             <a:avLst/>
@@ -9489,7 +9489,7 @@
         <p:spPr bwMode="auto">
           <a:xfrm>
             <a:off x="4742590" y="1717589"/>
-            <a:ext cx="2668328" cy="5140411"/>
+            <a:ext cx="2548576" cy="4909715"/>
           </a:xfrm>
           <a:prstGeom prst="rect">
             <a:avLst/>
@@ -9529,8 +9529,8 @@
         </p:blipFill>
         <p:spPr bwMode="auto">
           <a:xfrm>
-            <a:off x="8616099" y="1680100"/>
-            <a:ext cx="2689529" cy="5140411"/>
+            <a:off x="8616100" y="1680101"/>
+            <a:ext cx="2568826" cy="4909716"/>
           </a:xfrm>
           <a:prstGeom prst="rect">
             <a:avLst/>
@@ -10371,20 +10371,20 @@
 </file>
 
 <file path=customXml/item1.xml><?xml version="1.0" encoding="utf-8"?>
+<p:properties xmlns:p="http://schemas.microsoft.com/office/2006/metadata/properties" xmlns:xsi="http://www.w3.org/2001/XMLSchema-instance" xmlns:pc="http://schemas.microsoft.com/office/infopath/2007/PartnerControls">
+  <documentManagement>
+    <MediaServiceKeyPoints xmlns="71af3243-3dd4-4a8d-8c0d-dd76da1f02a5" xsi:nil="true"/>
+  </documentManagement>
+</p:properties>
+</file>
+
+<file path=customXml/item2.xml><?xml version="1.0" encoding="utf-8"?>
 <?mso-contentType ?>
 <FormTemplates xmlns="http://schemas.microsoft.com/sharepoint/v3/contenttype/forms">
   <Display>DocumentLibraryForm</Display>
   <Edit>DocumentLibraryForm</Edit>
   <New>DocumentLibraryForm</New>
 </FormTemplates>
-</file>
-
-<file path=customXml/item2.xml><?xml version="1.0" encoding="utf-8"?>
-<p:properties xmlns:p="http://schemas.microsoft.com/office/2006/metadata/properties" xmlns:xsi="http://www.w3.org/2001/XMLSchema-instance" xmlns:pc="http://schemas.microsoft.com/office/infopath/2007/PartnerControls">
-  <documentManagement>
-    <MediaServiceKeyPoints xmlns="71af3243-3dd4-4a8d-8c0d-dd76da1f02a5" xsi:nil="true"/>
-  </documentManagement>
-</p:properties>
 </file>
 
 <file path=customXml/item3.xml><?xml version="1.0" encoding="utf-8"?>
@@ -10599,19 +10599,19 @@
 </file>
 
 <file path=customXml/itemProps1.xml><?xml version="1.0" encoding="utf-8"?>
-<ds:datastoreItem xmlns:ds="http://schemas.openxmlformats.org/officeDocument/2006/customXml" ds:itemID="{55FDEB4C-941C-4EBE-9462-062D8A0ADE9E}">
+<ds:datastoreItem xmlns:ds="http://schemas.openxmlformats.org/officeDocument/2006/customXml" ds:itemID="{60B414F3-C833-4395-8C69-0E806C518171}">
   <ds:schemaRefs>
-    <ds:schemaRef ds:uri="http://schemas.microsoft.com/sharepoint/v3/contenttype/forms"/>
+    <ds:schemaRef ds:uri="http://schemas.microsoft.com/office/2006/metadata/properties"/>
+    <ds:schemaRef ds:uri="http://schemas.microsoft.com/office/infopath/2007/PartnerControls"/>
+    <ds:schemaRef ds:uri="71af3243-3dd4-4a8d-8c0d-dd76da1f02a5"/>
   </ds:schemaRefs>
 </ds:datastoreItem>
 </file>
 
 <file path=customXml/itemProps2.xml><?xml version="1.0" encoding="utf-8"?>
-<ds:datastoreItem xmlns:ds="http://schemas.openxmlformats.org/officeDocument/2006/customXml" ds:itemID="{60B414F3-C833-4395-8C69-0E806C518171}">
+<ds:datastoreItem xmlns:ds="http://schemas.openxmlformats.org/officeDocument/2006/customXml" ds:itemID="{55FDEB4C-941C-4EBE-9462-062D8A0ADE9E}">
   <ds:schemaRefs>
-    <ds:schemaRef ds:uri="http://schemas.microsoft.com/office/2006/metadata/properties"/>
-    <ds:schemaRef ds:uri="http://schemas.microsoft.com/office/infopath/2007/PartnerControls"/>
-    <ds:schemaRef ds:uri="71af3243-3dd4-4a8d-8c0d-dd76da1f02a5"/>
+    <ds:schemaRef ds:uri="http://schemas.microsoft.com/sharepoint/v3/contenttype/forms"/>
   </ds:schemaRefs>
 </ds:datastoreItem>
 </file>
